--- a/SIESQUEN CORDOVA ANDREW - ESP.pptx
+++ b/SIESQUEN CORDOVA ANDREW - ESP.pptx
@@ -16566,8 +16566,8 @@
         </p:nvSpPr>
         <p:spPr>
           <a:xfrm>
-            <a:off x="1242487" y="1302867"/>
-            <a:ext cx="6893453" cy="1842600"/>
+            <a:off x="1750275" y="1603660"/>
+            <a:ext cx="5643450" cy="938399"/>
           </a:xfrm>
           <a:prstGeom prst="rect">
             <a:avLst/>
@@ -16589,11 +16589,11 @@
               <a:buNone/>
             </a:pPr>
             <a:r>
-              <a:rPr lang="es-MX" sz="3600" b="1" dirty="0"/>
+              <a:rPr lang="es-MX" sz="2800" b="1" dirty="0"/>
               <a:t> Gestión de procesos </a:t>
             </a:r>
             <a:r>
-              <a:rPr lang="es-MX" sz="3600" b="1" dirty="0">
+              <a:rPr lang="es-MX" sz="2800" b="1" dirty="0">
                 <a:solidFill>
                   <a:schemeClr val="bg2"/>
                 </a:solidFill>
@@ -16601,10 +16601,10 @@
               <a:t>empresariales basado en </a:t>
             </a:r>
             <a:r>
-              <a:rPr lang="es-MX" sz="3600" b="1" dirty="0"/>
+              <a:rPr lang="es-MX" sz="2800" b="1" dirty="0"/>
               <a:t>Java con Spring Boot</a:t>
             </a:r>
-            <a:endParaRPr sz="3600" b="1" dirty="0"/>
+            <a:endParaRPr sz="2800" b="1" dirty="0"/>
           </a:p>
         </p:txBody>
       </p:sp>
@@ -16620,7 +16620,7 @@
         </p:nvSpPr>
         <p:spPr>
           <a:xfrm>
-            <a:off x="1242487" y="3451238"/>
+            <a:off x="1242450" y="3470639"/>
             <a:ext cx="6659100" cy="475800"/>
           </a:xfrm>
           <a:prstGeom prst="rect">
@@ -17990,6 +17990,293 @@
           </a:prstGeom>
         </p:spPr>
       </p:pic>
+      <p:sp>
+        <p:nvSpPr>
+          <p:cNvPr id="2" name="Google Shape;750;p29">
+            <a:extLst>
+              <a:ext uri="{FF2B5EF4-FFF2-40B4-BE49-F238E27FC236}">
+                <a16:creationId xmlns:a16="http://schemas.microsoft.com/office/drawing/2014/main" id="{AB00B433-7B16-02C0-5235-809C58F50F0E}"/>
+              </a:ext>
+            </a:extLst>
+          </p:cNvPr>
+          <p:cNvSpPr txBox="1">
+            <a:spLocks/>
+          </p:cNvSpPr>
+          <p:nvPr/>
+        </p:nvSpPr>
+        <p:spPr>
+          <a:xfrm>
+            <a:off x="1429438" y="2679589"/>
+            <a:ext cx="6659100" cy="475800"/>
+          </a:xfrm>
+          <a:prstGeom prst="rect">
+            <a:avLst/>
+          </a:prstGeom>
+          <a:noFill/>
+          <a:ln>
+            <a:noFill/>
+          </a:ln>
+        </p:spPr>
+        <p:txBody>
+          <a:bodyPr spcFirstLastPara="1" wrap="square" lIns="91425" tIns="91425" rIns="91425" bIns="91425" anchor="t" anchorCtr="0">
+            <a:noAutofit/>
+          </a:bodyPr>
+          <a:lstStyle>
+            <a:defPPr marR="0" lvl="0" algn="l" rtl="0">
+              <a:lnSpc>
+                <a:spcPct val="100000"/>
+              </a:lnSpc>
+              <a:spcBef>
+                <a:spcPts val="0"/>
+              </a:spcBef>
+              <a:spcAft>
+                <a:spcPts val="0"/>
+              </a:spcAft>
+            </a:defPPr>
+            <a:lvl1pPr marL="457200" marR="0" lvl="0" indent="-304800" algn="ctr" rtl="0">
+              <a:lnSpc>
+                <a:spcPct val="100000"/>
+              </a:lnSpc>
+              <a:spcBef>
+                <a:spcPts val="0"/>
+              </a:spcBef>
+              <a:spcAft>
+                <a:spcPts val="0"/>
+              </a:spcAft>
+              <a:buClr>
+                <a:schemeClr val="dk1"/>
+              </a:buClr>
+              <a:buSzPts val="1200"/>
+              <a:buFont typeface="Open Sans"/>
+              <a:buNone/>
+              <a:defRPr sz="1600" b="0" i="0" u="none" strike="noStrike" cap="none">
+                <a:solidFill>
+                  <a:schemeClr val="dk1"/>
+                </a:solidFill>
+                <a:latin typeface="Raleway"/>
+                <a:ea typeface="Raleway"/>
+                <a:cs typeface="Raleway"/>
+                <a:sym typeface="Raleway"/>
+              </a:defRPr>
+            </a:lvl1pPr>
+            <a:lvl2pPr marL="914400" marR="0" lvl="1" indent="-304800" algn="ctr" rtl="0">
+              <a:lnSpc>
+                <a:spcPct val="100000"/>
+              </a:lnSpc>
+              <a:spcBef>
+                <a:spcPts val="0"/>
+              </a:spcBef>
+              <a:spcAft>
+                <a:spcPts val="0"/>
+              </a:spcAft>
+              <a:buClr>
+                <a:schemeClr val="dk1"/>
+              </a:buClr>
+              <a:buSzPts val="1800"/>
+              <a:buFont typeface="Open Sans"/>
+              <a:buNone/>
+              <a:defRPr sz="1800" b="0" i="0" u="none" strike="noStrike" cap="none">
+                <a:solidFill>
+                  <a:schemeClr val="dk1"/>
+                </a:solidFill>
+                <a:latin typeface="Open Sans"/>
+                <a:ea typeface="Open Sans"/>
+                <a:cs typeface="Open Sans"/>
+                <a:sym typeface="Open Sans"/>
+              </a:defRPr>
+            </a:lvl2pPr>
+            <a:lvl3pPr marL="1371600" marR="0" lvl="2" indent="-304800" algn="ctr" rtl="0">
+              <a:lnSpc>
+                <a:spcPct val="100000"/>
+              </a:lnSpc>
+              <a:spcBef>
+                <a:spcPts val="0"/>
+              </a:spcBef>
+              <a:spcAft>
+                <a:spcPts val="0"/>
+              </a:spcAft>
+              <a:buClr>
+                <a:schemeClr val="dk1"/>
+              </a:buClr>
+              <a:buSzPts val="1800"/>
+              <a:buFont typeface="Open Sans"/>
+              <a:buNone/>
+              <a:defRPr sz="1800" b="0" i="0" u="none" strike="noStrike" cap="none">
+                <a:solidFill>
+                  <a:schemeClr val="dk1"/>
+                </a:solidFill>
+                <a:latin typeface="Open Sans"/>
+                <a:ea typeface="Open Sans"/>
+                <a:cs typeface="Open Sans"/>
+                <a:sym typeface="Open Sans"/>
+              </a:defRPr>
+            </a:lvl3pPr>
+            <a:lvl4pPr marL="1828800" marR="0" lvl="3" indent="-304800" algn="ctr" rtl="0">
+              <a:lnSpc>
+                <a:spcPct val="100000"/>
+              </a:lnSpc>
+              <a:spcBef>
+                <a:spcPts val="0"/>
+              </a:spcBef>
+              <a:spcAft>
+                <a:spcPts val="0"/>
+              </a:spcAft>
+              <a:buClr>
+                <a:schemeClr val="dk1"/>
+              </a:buClr>
+              <a:buSzPts val="1800"/>
+              <a:buFont typeface="Open Sans"/>
+              <a:buNone/>
+              <a:defRPr sz="1800" b="0" i="0" u="none" strike="noStrike" cap="none">
+                <a:solidFill>
+                  <a:schemeClr val="dk1"/>
+                </a:solidFill>
+                <a:latin typeface="Open Sans"/>
+                <a:ea typeface="Open Sans"/>
+                <a:cs typeface="Open Sans"/>
+                <a:sym typeface="Open Sans"/>
+              </a:defRPr>
+            </a:lvl4pPr>
+            <a:lvl5pPr marL="2286000" marR="0" lvl="4" indent="-304800" algn="ctr" rtl="0">
+              <a:lnSpc>
+                <a:spcPct val="100000"/>
+              </a:lnSpc>
+              <a:spcBef>
+                <a:spcPts val="0"/>
+              </a:spcBef>
+              <a:spcAft>
+                <a:spcPts val="0"/>
+              </a:spcAft>
+              <a:buClr>
+                <a:schemeClr val="dk1"/>
+              </a:buClr>
+              <a:buSzPts val="1800"/>
+              <a:buFont typeface="Open Sans"/>
+              <a:buNone/>
+              <a:defRPr sz="1800" b="0" i="0" u="none" strike="noStrike" cap="none">
+                <a:solidFill>
+                  <a:schemeClr val="dk1"/>
+                </a:solidFill>
+                <a:latin typeface="Open Sans"/>
+                <a:ea typeface="Open Sans"/>
+                <a:cs typeface="Open Sans"/>
+                <a:sym typeface="Open Sans"/>
+              </a:defRPr>
+            </a:lvl5pPr>
+            <a:lvl6pPr marL="2743200" marR="0" lvl="5" indent="-304800" algn="ctr" rtl="0">
+              <a:lnSpc>
+                <a:spcPct val="100000"/>
+              </a:lnSpc>
+              <a:spcBef>
+                <a:spcPts val="0"/>
+              </a:spcBef>
+              <a:spcAft>
+                <a:spcPts val="0"/>
+              </a:spcAft>
+              <a:buClr>
+                <a:schemeClr val="dk1"/>
+              </a:buClr>
+              <a:buSzPts val="1800"/>
+              <a:buFont typeface="Open Sans"/>
+              <a:buNone/>
+              <a:defRPr sz="1800" b="0" i="0" u="none" strike="noStrike" cap="none">
+                <a:solidFill>
+                  <a:schemeClr val="dk1"/>
+                </a:solidFill>
+                <a:latin typeface="Open Sans"/>
+                <a:ea typeface="Open Sans"/>
+                <a:cs typeface="Open Sans"/>
+                <a:sym typeface="Open Sans"/>
+              </a:defRPr>
+            </a:lvl6pPr>
+            <a:lvl7pPr marL="3200400" marR="0" lvl="6" indent="-304800" algn="ctr" rtl="0">
+              <a:lnSpc>
+                <a:spcPct val="100000"/>
+              </a:lnSpc>
+              <a:spcBef>
+                <a:spcPts val="0"/>
+              </a:spcBef>
+              <a:spcAft>
+                <a:spcPts val="0"/>
+              </a:spcAft>
+              <a:buClr>
+                <a:schemeClr val="dk1"/>
+              </a:buClr>
+              <a:buSzPts val="1800"/>
+              <a:buFont typeface="Open Sans"/>
+              <a:buNone/>
+              <a:defRPr sz="1800" b="0" i="0" u="none" strike="noStrike" cap="none">
+                <a:solidFill>
+                  <a:schemeClr val="dk1"/>
+                </a:solidFill>
+                <a:latin typeface="Open Sans"/>
+                <a:ea typeface="Open Sans"/>
+                <a:cs typeface="Open Sans"/>
+                <a:sym typeface="Open Sans"/>
+              </a:defRPr>
+            </a:lvl7pPr>
+            <a:lvl8pPr marL="3657600" marR="0" lvl="7" indent="-304800" algn="ctr" rtl="0">
+              <a:lnSpc>
+                <a:spcPct val="100000"/>
+              </a:lnSpc>
+              <a:spcBef>
+                <a:spcPts val="0"/>
+              </a:spcBef>
+              <a:spcAft>
+                <a:spcPts val="0"/>
+              </a:spcAft>
+              <a:buClr>
+                <a:schemeClr val="dk1"/>
+              </a:buClr>
+              <a:buSzPts val="1800"/>
+              <a:buFont typeface="Open Sans"/>
+              <a:buNone/>
+              <a:defRPr sz="1800" b="0" i="0" u="none" strike="noStrike" cap="none">
+                <a:solidFill>
+                  <a:schemeClr val="dk1"/>
+                </a:solidFill>
+                <a:latin typeface="Open Sans"/>
+                <a:ea typeface="Open Sans"/>
+                <a:cs typeface="Open Sans"/>
+                <a:sym typeface="Open Sans"/>
+              </a:defRPr>
+            </a:lvl8pPr>
+            <a:lvl9pPr marL="4114800" marR="0" lvl="8" indent="-304800" algn="ctr" rtl="0">
+              <a:lnSpc>
+                <a:spcPct val="100000"/>
+              </a:lnSpc>
+              <a:spcBef>
+                <a:spcPts val="0"/>
+              </a:spcBef>
+              <a:spcAft>
+                <a:spcPts val="0"/>
+              </a:spcAft>
+              <a:buClr>
+                <a:schemeClr val="dk1"/>
+              </a:buClr>
+              <a:buSzPts val="1800"/>
+              <a:buFont typeface="Open Sans"/>
+              <a:buNone/>
+              <a:defRPr sz="1800" b="0" i="0" u="none" strike="noStrike" cap="none">
+                <a:solidFill>
+                  <a:schemeClr val="dk1"/>
+                </a:solidFill>
+                <a:latin typeface="Open Sans"/>
+                <a:ea typeface="Open Sans"/>
+                <a:cs typeface="Open Sans"/>
+                <a:sym typeface="Open Sans"/>
+              </a:defRPr>
+            </a:lvl9pPr>
+          </a:lstStyle>
+          <a:p>
+            <a:pPr marL="0" indent="0"/>
+            <a:r>
+              <a:rPr lang="es-PE" dirty="0"/>
+              <a:t>PARA LA EMPRESA AUTO SHOP: MANTENIMIENTO Y VENTA </a:t>
+            </a:r>
+          </a:p>
+        </p:txBody>
+      </p:sp>
     </p:spTree>
   </p:cSld>
   <p:clrMapOvr>
@@ -18094,7 +18381,29 @@
                 <a:latin typeface="Segoe UI" panose="020B0502040204020203" pitchFamily="34" charset="0"/>
                 <a:cs typeface="Segoe UI" panose="020B0502040204020203" pitchFamily="34" charset="0"/>
               </a:rPr>
-              <a:t>El sistema web para la empresa de auto partes “AUTO SHOP” es un plataforma en línea diseñada para facilitar la gestión de las actividades comerciales de la empresa, permitiendo la organización y control de datos y registros relacionados con la compra y venta de autopartes.</a:t>
+              <a:t>El sistema web para la empresa de auto partes “AUTO SHOP” es un plataforma en línea diseñada para facilitar la gestión de las actividades comerciales de la empresa, permitiendo la organización y control de datos y registros relacionados con </a:t>
+            </a:r>
+            <a:r>
+              <a:rPr lang="es-MX" sz="1400" i="0">
+                <a:solidFill>
+                  <a:srgbClr val="D1D5DB"/>
+                </a:solidFill>
+                <a:effectLst/>
+                <a:latin typeface="Segoe UI" panose="020B0502040204020203" pitchFamily="34" charset="0"/>
+                <a:cs typeface="Segoe UI" panose="020B0502040204020203" pitchFamily="34" charset="0"/>
+              </a:rPr>
+              <a:t>la  venta </a:t>
+            </a:r>
+            <a:r>
+              <a:rPr lang="es-MX" sz="1400" i="0" dirty="0">
+                <a:solidFill>
+                  <a:srgbClr val="D1D5DB"/>
+                </a:solidFill>
+                <a:effectLst/>
+                <a:latin typeface="Segoe UI" panose="020B0502040204020203" pitchFamily="34" charset="0"/>
+                <a:cs typeface="Segoe UI" panose="020B0502040204020203" pitchFamily="34" charset="0"/>
+              </a:rPr>
+              <a:t>de autopartes.</a:t>
             </a:r>
           </a:p>
           <a:p>
